--- a/起草/images/08.pptx
+++ b/起草/images/08.pptx
@@ -104,6 +104,11 @@
       </a:defRPr>
     </a:lvl9pPr>
   </p:defaultTextStyle>
+  <p:extLst>
+    <p:ext uri="{EFAFB233-063F-42B5-8137-9DF3F51BA10A}">
+      <p15:sldGuideLst xmlns:p15="http://schemas.microsoft.com/office/powerpoint/2012/main"/>
+    </p:ext>
+  </p:extLst>
 </p:presentation>
 </file>
 
@@ -4034,7 +4039,7 @@
         </p:nvSpPr>
         <p:spPr>
           <a:xfrm>
-            <a:off x="1632875" y="405343"/>
+            <a:off x="1881420" y="328077"/>
             <a:ext cx="1325939" cy="646331"/>
           </a:xfrm>
           <a:prstGeom prst="rect">
@@ -4216,8 +4221,8 @@
         </p:nvCxnSpPr>
         <p:spPr>
           <a:xfrm flipV="1">
-            <a:off x="4303596" y="1047842"/>
-            <a:ext cx="0" cy="1337145"/>
+            <a:off x="4697296" y="1240418"/>
+            <a:ext cx="0" cy="1144569"/>
           </a:xfrm>
           <a:prstGeom prst="straightConnector1">
             <a:avLst/>
@@ -4259,8 +4264,8 @@
         </p:nvSpPr>
         <p:spPr>
           <a:xfrm>
-            <a:off x="4394329" y="1539893"/>
-            <a:ext cx="2017057" cy="523220"/>
+            <a:off x="4909481" y="1356848"/>
+            <a:ext cx="2017057" cy="738664"/>
           </a:xfrm>
           <a:prstGeom prst="rect">
             <a:avLst/>
@@ -4282,7 +4287,14 @@
           <a:p>
             <a:r>
               <a:rPr kumimoji="1" lang="ja-JP" altLang="en-US" sz="1400" dirty="0"/>
-              <a:t>ポジティブインパクト</a:t>
+              <a:t>ポジティブ</a:t>
+            </a:r>
+            <a:endParaRPr kumimoji="1" lang="en-US" altLang="ja-JP" sz="1400" dirty="0"/>
+          </a:p>
+          <a:p>
+            <a:r>
+              <a:rPr kumimoji="1" lang="ja-JP" altLang="en-US" sz="1400" dirty="0"/>
+              <a:t>インパクト</a:t>
             </a:r>
           </a:p>
         </p:txBody>
@@ -4301,8 +4313,8 @@
         </p:nvSpPr>
         <p:spPr>
           <a:xfrm>
-            <a:off x="3317193" y="1874947"/>
-            <a:ext cx="800219" cy="276999"/>
+            <a:off x="3126478" y="4528033"/>
+            <a:ext cx="1415772" cy="276999"/>
           </a:xfrm>
           <a:prstGeom prst="rect">
             <a:avLst/>
@@ -4317,7 +4329,7 @@
           <a:p>
             <a:r>
               <a:rPr kumimoji="1" lang="ja-JP" altLang="en-US" sz="1200" dirty="0"/>
-              <a:t>事業拠点</a:t>
+              <a:t>事業拠点の評価値</a:t>
             </a:r>
           </a:p>
         </p:txBody>
@@ -4333,14 +4345,13 @@
           </p:cNvPr>
           <p:cNvCxnSpPr>
             <a:cxnSpLocks/>
-            <a:endCxn id="45" idx="2"/>
           </p:cNvCxnSpPr>
           <p:nvPr/>
         </p:nvCxnSpPr>
         <p:spPr>
-          <a:xfrm flipH="1" flipV="1">
-            <a:off x="3717303" y="2151946"/>
-            <a:ext cx="520438" cy="263971"/>
+          <a:xfrm flipH="1">
+            <a:off x="3685360" y="2485765"/>
+            <a:ext cx="1015932" cy="2015791"/>
           </a:xfrm>
           <a:prstGeom prst="line">
             <a:avLst/>
@@ -4375,8 +4386,8 @@
         </p:nvSpPr>
         <p:spPr>
           <a:xfrm>
-            <a:off x="4388362" y="2603184"/>
-            <a:ext cx="2023670" cy="523220"/>
+            <a:off x="4885476" y="2725098"/>
+            <a:ext cx="2023670" cy="738664"/>
           </a:xfrm>
           <a:prstGeom prst="rect">
             <a:avLst/>
@@ -4398,7 +4409,14 @@
           <a:p>
             <a:r>
               <a:rPr kumimoji="1" lang="ja-JP" altLang="en-US" sz="1400" dirty="0"/>
-              <a:t>ネガティブインパクト</a:t>
+              <a:t>ネガティブ</a:t>
+            </a:r>
+            <a:endParaRPr kumimoji="1" lang="en-US" altLang="ja-JP" sz="1400" dirty="0"/>
+          </a:p>
+          <a:p>
+            <a:r>
+              <a:rPr kumimoji="1" lang="ja-JP" altLang="en-US" sz="1400" dirty="0"/>
+              <a:t>インパクト</a:t>
             </a:r>
           </a:p>
         </p:txBody>
@@ -4419,7 +4437,7 @@
         </p:nvCxnSpPr>
         <p:spPr>
           <a:xfrm>
-            <a:off x="4303596" y="2418357"/>
+            <a:off x="4697296" y="2418357"/>
             <a:ext cx="0" cy="1478507"/>
           </a:xfrm>
           <a:prstGeom prst="straightConnector1">
@@ -4450,10 +4468,10 @@
       </p:cxnSp>
       <p:sp>
         <p:nvSpPr>
-          <p:cNvPr id="55" name="楕円 54">
-            <a:extLst>
-              <a:ext uri="{FF2B5EF4-FFF2-40B4-BE49-F238E27FC236}">
-                <a16:creationId xmlns:a16="http://schemas.microsoft.com/office/drawing/2014/main" id="{CC58EF7C-A04D-980F-4DCA-B4828CD61A43}"/>
+          <p:cNvPr id="72" name="正方形/長方形 71">
+            <a:extLst>
+              <a:ext uri="{FF2B5EF4-FFF2-40B4-BE49-F238E27FC236}">
+                <a16:creationId xmlns:a16="http://schemas.microsoft.com/office/drawing/2014/main" id="{17FF3640-7DEA-0D76-3FD8-A33E9FF3B3C4}"/>
               </a:ext>
             </a:extLst>
           </p:cNvPr>
@@ -4462,16 +4480,14 @@
         </p:nvSpPr>
         <p:spPr>
           <a:xfrm>
-            <a:off x="4237741" y="2346069"/>
-            <a:ext cx="139701" cy="139696"/>
-          </a:xfrm>
-          <a:prstGeom prst="ellipse">
+            <a:off x="7037545" y="1314213"/>
+            <a:ext cx="389740" cy="434713"/>
+          </a:xfrm>
+          <a:prstGeom prst="rect">
             <a:avLst/>
           </a:prstGeom>
           <a:solidFill>
-            <a:schemeClr val="bg1">
-              <a:lumMod val="50000"/>
-            </a:schemeClr>
+            <a:srgbClr val="00B0F0"/>
           </a:solidFill>
           <a:ln>
             <a:noFill/>
@@ -4498,16 +4514,20 @@
           <a:lstStyle/>
           <a:p>
             <a:pPr algn="ctr"/>
-            <a:endParaRPr kumimoji="1" lang="ja-JP" altLang="en-US"/>
-          </a:p>
-        </p:txBody>
-      </p:sp>
-      <p:sp>
-        <p:nvSpPr>
-          <p:cNvPr id="72" name="正方形/長方形 71">
-            <a:extLst>
-              <a:ext uri="{FF2B5EF4-FFF2-40B4-BE49-F238E27FC236}">
-                <a16:creationId xmlns:a16="http://schemas.microsoft.com/office/drawing/2014/main" id="{17FF3640-7DEA-0D76-3FD8-A33E9FF3B3C4}"/>
+            <a:r>
+              <a:rPr kumimoji="1" lang="en-US" altLang="ja-JP" sz="1600" dirty="0"/>
+              <a:t>I</a:t>
+            </a:r>
+            <a:endParaRPr kumimoji="1" lang="ja-JP" altLang="en-US" sz="1600" dirty="0"/>
+          </a:p>
+        </p:txBody>
+      </p:sp>
+      <p:sp>
+        <p:nvSpPr>
+          <p:cNvPr id="73" name="正方形/長方形 72">
+            <a:extLst>
+              <a:ext uri="{FF2B5EF4-FFF2-40B4-BE49-F238E27FC236}">
+                <a16:creationId xmlns:a16="http://schemas.microsoft.com/office/drawing/2014/main" id="{DBEA7E19-C0BE-E0A6-BAC8-AAA9B0A72C41}"/>
               </a:ext>
             </a:extLst>
           </p:cNvPr>
@@ -4516,8 +4536,8 @@
         </p:nvSpPr>
         <p:spPr>
           <a:xfrm>
-            <a:off x="7037545" y="1314213"/>
-            <a:ext cx="389740" cy="434713"/>
+            <a:off x="7037545" y="2285438"/>
+            <a:ext cx="389723" cy="423471"/>
           </a:xfrm>
           <a:prstGeom prst="rect">
             <a:avLst/>
@@ -4554,16 +4574,20 @@
               <a:rPr kumimoji="1" lang="en-US" altLang="ja-JP" sz="1600" dirty="0"/>
               <a:t>I</a:t>
             </a:r>
-            <a:endParaRPr kumimoji="1" lang="ja-JP" altLang="en-US" sz="1600" dirty="0"/>
-          </a:p>
-        </p:txBody>
-      </p:sp>
-      <p:sp>
-        <p:nvSpPr>
-          <p:cNvPr id="73" name="正方形/長方形 72">
-            <a:extLst>
-              <a:ext uri="{FF2B5EF4-FFF2-40B4-BE49-F238E27FC236}">
-                <a16:creationId xmlns:a16="http://schemas.microsoft.com/office/drawing/2014/main" id="{DBEA7E19-C0BE-E0A6-BAC8-AAA9B0A72C41}"/>
+            <a:r>
+              <a:rPr lang="en-US" altLang="ja-JP" sz="1600" dirty="0"/>
+              <a:t>I</a:t>
+            </a:r>
+            <a:endParaRPr kumimoji="1" lang="en-US" altLang="ja-JP" sz="1600" dirty="0"/>
+          </a:p>
+        </p:txBody>
+      </p:sp>
+      <p:sp>
+        <p:nvSpPr>
+          <p:cNvPr id="74" name="正方形/長方形 73">
+            <a:extLst>
+              <a:ext uri="{FF2B5EF4-FFF2-40B4-BE49-F238E27FC236}">
+                <a16:creationId xmlns:a16="http://schemas.microsoft.com/office/drawing/2014/main" id="{828E62CB-46B3-9063-BD1F-96D3DD4B1264}"/>
               </a:ext>
             </a:extLst>
           </p:cNvPr>
@@ -4572,7 +4596,7 @@
         </p:nvSpPr>
         <p:spPr>
           <a:xfrm>
-            <a:off x="7037545" y="2285438"/>
+            <a:off x="7029080" y="3245421"/>
             <a:ext cx="389723" cy="423471"/>
           </a:xfrm>
           <a:prstGeom prst="rect">
@@ -4608,7 +4632,7 @@
             <a:pPr algn="ctr"/>
             <a:r>
               <a:rPr kumimoji="1" lang="en-US" altLang="ja-JP" sz="1600" dirty="0"/>
-              <a:t>I</a:t>
+              <a:t>II</a:t>
             </a:r>
             <a:r>
               <a:rPr lang="en-US" altLang="ja-JP" sz="1600" dirty="0"/>
@@ -4620,10 +4644,10 @@
       </p:sp>
       <p:sp>
         <p:nvSpPr>
-          <p:cNvPr id="74" name="正方形/長方形 73">
-            <a:extLst>
-              <a:ext uri="{FF2B5EF4-FFF2-40B4-BE49-F238E27FC236}">
-                <a16:creationId xmlns:a16="http://schemas.microsoft.com/office/drawing/2014/main" id="{828E62CB-46B3-9063-BD1F-96D3DD4B1264}"/>
+          <p:cNvPr id="75" name="正方形/長方形 74">
+            <a:extLst>
+              <a:ext uri="{FF2B5EF4-FFF2-40B4-BE49-F238E27FC236}">
+                <a16:creationId xmlns:a16="http://schemas.microsoft.com/office/drawing/2014/main" id="{771F0123-DC0B-C05B-8383-3801F5DD08AD}"/>
               </a:ext>
             </a:extLst>
           </p:cNvPr>
@@ -4632,8 +4656,8 @@
         </p:nvSpPr>
         <p:spPr>
           <a:xfrm>
-            <a:off x="7029080" y="3245421"/>
-            <a:ext cx="389723" cy="423471"/>
+            <a:off x="7043317" y="4205404"/>
+            <a:ext cx="389740" cy="434713"/>
           </a:xfrm>
           <a:prstGeom prst="rect">
             <a:avLst/>
@@ -4668,38 +4692,374 @@
             <a:pPr algn="ctr"/>
             <a:r>
               <a:rPr kumimoji="1" lang="en-US" altLang="ja-JP" sz="1600" dirty="0"/>
-              <a:t>II</a:t>
-            </a:r>
-            <a:r>
-              <a:rPr lang="en-US" altLang="ja-JP" sz="1600" dirty="0"/>
-              <a:t>I</a:t>
-            </a:r>
-            <a:endParaRPr kumimoji="1" lang="en-US" altLang="ja-JP" sz="1600" dirty="0"/>
-          </a:p>
-        </p:txBody>
-      </p:sp>
-      <p:sp>
-        <p:nvSpPr>
-          <p:cNvPr id="75" name="正方形/長方形 74">
-            <a:extLst>
-              <a:ext uri="{FF2B5EF4-FFF2-40B4-BE49-F238E27FC236}">
-                <a16:creationId xmlns:a16="http://schemas.microsoft.com/office/drawing/2014/main" id="{771F0123-DC0B-C05B-8383-3801F5DD08AD}"/>
-              </a:ext>
-            </a:extLst>
-          </p:cNvPr>
-          <p:cNvSpPr/>
+              <a:t>IV</a:t>
+            </a:r>
+            <a:endParaRPr kumimoji="1" lang="ja-JP" altLang="en-US" sz="1600" dirty="0"/>
+          </a:p>
+        </p:txBody>
+      </p:sp>
+      <p:sp>
+        <p:nvSpPr>
+          <p:cNvPr id="77" name="テキスト ボックス 76">
+            <a:extLst>
+              <a:ext uri="{FF2B5EF4-FFF2-40B4-BE49-F238E27FC236}">
+                <a16:creationId xmlns:a16="http://schemas.microsoft.com/office/drawing/2014/main" id="{321B4CCA-9BA9-AF4B-88E4-986638A3BF10}"/>
+              </a:ext>
+            </a:extLst>
+          </p:cNvPr>
+          <p:cNvSpPr txBox="1"/>
           <p:nvPr/>
         </p:nvSpPr>
         <p:spPr>
           <a:xfrm>
-            <a:off x="7043317" y="4205404"/>
-            <a:ext cx="389740" cy="434713"/>
+            <a:off x="7503468" y="1240418"/>
+            <a:ext cx="4229100" cy="738664"/>
           </a:xfrm>
           <a:prstGeom prst="rect">
             <a:avLst/>
           </a:prstGeom>
+          <a:noFill/>
+        </p:spPr>
+        <p:txBody>
+          <a:bodyPr wrap="square">
+            <a:spAutoFit/>
+          </a:bodyPr>
+          <a:lstStyle/>
+          <a:p>
+            <a:r>
+              <a:rPr lang="ja-JP" altLang="en-US" sz="1400" dirty="0"/>
+              <a:t>重要度と完全性がともに高く、 優先的に保護すべき地域。事業活動の悪影響が生物多様性に重大なリスクをもたらす可能性がある。</a:t>
+            </a:r>
+          </a:p>
+        </p:txBody>
+      </p:sp>
+      <p:sp>
+        <p:nvSpPr>
+          <p:cNvPr id="80" name="テキスト ボックス 79">
+            <a:extLst>
+              <a:ext uri="{FF2B5EF4-FFF2-40B4-BE49-F238E27FC236}">
+                <a16:creationId xmlns:a16="http://schemas.microsoft.com/office/drawing/2014/main" id="{C81631C9-C6BC-FC84-3364-A4E59C56FD35}"/>
+              </a:ext>
+            </a:extLst>
+          </p:cNvPr>
+          <p:cNvSpPr txBox="1"/>
+          <p:nvPr/>
+        </p:nvSpPr>
+        <p:spPr>
+          <a:xfrm>
+            <a:off x="7503468" y="2202537"/>
+            <a:ext cx="4229100" cy="738664"/>
+          </a:xfrm>
+          <a:prstGeom prst="rect">
+            <a:avLst/>
+          </a:prstGeom>
+          <a:noFill/>
+        </p:spPr>
+        <p:txBody>
+          <a:bodyPr wrap="square">
+            <a:spAutoFit/>
+          </a:bodyPr>
+          <a:lstStyle/>
+          <a:p>
+            <a:r>
+              <a:rPr lang="ja-JP" altLang="en-US" sz="1400" dirty="0"/>
+              <a:t>生物多様性の重要性は高いが、完全性は低い。 潜在的な保全の重要性は高いが、すでに自然が劣化している。 自然保護活動の高い効果が期待される。</a:t>
+            </a:r>
+          </a:p>
+        </p:txBody>
+      </p:sp>
+      <p:sp>
+        <p:nvSpPr>
+          <p:cNvPr id="81" name="テキスト ボックス 80">
+            <a:extLst>
+              <a:ext uri="{FF2B5EF4-FFF2-40B4-BE49-F238E27FC236}">
+                <a16:creationId xmlns:a16="http://schemas.microsoft.com/office/drawing/2014/main" id="{0016008F-91AE-1223-6AA3-145411F0EF06}"/>
+              </a:ext>
+            </a:extLst>
+          </p:cNvPr>
+          <p:cNvSpPr txBox="1"/>
+          <p:nvPr/>
+        </p:nvSpPr>
+        <p:spPr>
+          <a:xfrm>
+            <a:off x="7503468" y="3164656"/>
+            <a:ext cx="4229100" cy="954107"/>
+          </a:xfrm>
+          <a:prstGeom prst="rect">
+            <a:avLst/>
+          </a:prstGeom>
+          <a:noFill/>
+        </p:spPr>
+        <p:txBody>
+          <a:bodyPr wrap="square">
+            <a:spAutoFit/>
+          </a:bodyPr>
+          <a:lstStyle/>
+          <a:p>
+            <a:r>
+              <a:rPr lang="ja-JP" altLang="en-US" sz="1400" dirty="0"/>
+              <a:t>重要度も完全性も低い。保全の有効性は高くないが、修復活動によって自然地域を改善できる可能性は大きい。 修復活動を通じて自然地域を改善する大きな可能性がある。</a:t>
+            </a:r>
+          </a:p>
+        </p:txBody>
+      </p:sp>
+      <p:sp>
+        <p:nvSpPr>
+          <p:cNvPr id="82" name="テキスト ボックス 81">
+            <a:extLst>
+              <a:ext uri="{FF2B5EF4-FFF2-40B4-BE49-F238E27FC236}">
+                <a16:creationId xmlns:a16="http://schemas.microsoft.com/office/drawing/2014/main" id="{270244C6-B172-7185-CC91-BDA0541753A3}"/>
+              </a:ext>
+            </a:extLst>
+          </p:cNvPr>
+          <p:cNvSpPr txBox="1"/>
+          <p:nvPr/>
+        </p:nvSpPr>
+        <p:spPr>
+          <a:xfrm>
+            <a:off x="7503468" y="4132179"/>
+            <a:ext cx="4229100" cy="1384995"/>
+          </a:xfrm>
+          <a:prstGeom prst="rect">
+            <a:avLst/>
+          </a:prstGeom>
+          <a:noFill/>
+        </p:spPr>
+        <p:txBody>
+          <a:bodyPr wrap="square">
+            <a:spAutoFit/>
+          </a:bodyPr>
+          <a:lstStyle/>
+          <a:p>
+            <a:r>
+              <a:rPr lang="ja-JP" altLang="en-US" sz="1400" dirty="0"/>
+              <a:t>生物多様性の重要性が低く、手付かずの状態、すなわち人間による圧力が低い。 他の人間活動との衝突が少ないため、自然商品や生態系サービス（再生可能エネルギー植物など）の利用に適している。 自然商品や生態系サービス（再生可能エネルギープラントなど）の利用に適している。</a:t>
+            </a:r>
+          </a:p>
+        </p:txBody>
+      </p:sp>
+      <p:cxnSp>
+        <p:nvCxnSpPr>
+          <p:cNvPr id="3" name="直線コネクタ 2">
+            <a:extLst>
+              <a:ext uri="{FF2B5EF4-FFF2-40B4-BE49-F238E27FC236}">
+                <a16:creationId xmlns:a16="http://schemas.microsoft.com/office/drawing/2014/main" id="{6B2B530D-D5E0-CE88-F40A-CD1EC1A4E8E0}"/>
+              </a:ext>
+            </a:extLst>
+          </p:cNvPr>
+          <p:cNvCxnSpPr>
+            <a:cxnSpLocks/>
+          </p:cNvCxnSpPr>
+          <p:nvPr/>
+        </p:nvCxnSpPr>
+        <p:spPr>
+          <a:xfrm>
+            <a:off x="1146629" y="1013072"/>
+            <a:ext cx="4586514" cy="0"/>
+          </a:xfrm>
+          <a:prstGeom prst="line">
+            <a:avLst/>
+          </a:prstGeom>
+          <a:ln>
+            <a:prstDash val="dash"/>
+          </a:ln>
+        </p:spPr>
+        <p:style>
+          <a:lnRef idx="2">
+            <a:schemeClr val="accent1"/>
+          </a:lnRef>
+          <a:fillRef idx="0">
+            <a:schemeClr val="accent1"/>
+          </a:fillRef>
+          <a:effectRef idx="1">
+            <a:schemeClr val="accent1"/>
+          </a:effectRef>
+          <a:fontRef idx="minor">
+            <a:schemeClr val="tx1"/>
+          </a:fontRef>
+        </p:style>
+      </p:cxnSp>
+      <p:sp>
+        <p:nvSpPr>
+          <p:cNvPr id="6" name="テキスト ボックス 5">
+            <a:extLst>
+              <a:ext uri="{FF2B5EF4-FFF2-40B4-BE49-F238E27FC236}">
+                <a16:creationId xmlns:a16="http://schemas.microsoft.com/office/drawing/2014/main" id="{2F71E557-0936-FB41-995D-EA80C2E48625}"/>
+              </a:ext>
+            </a:extLst>
+          </p:cNvPr>
+          <p:cNvSpPr txBox="1"/>
+          <p:nvPr/>
+        </p:nvSpPr>
+        <p:spPr>
+          <a:xfrm>
+            <a:off x="124780" y="847195"/>
+            <a:ext cx="1005403" cy="338554"/>
+          </a:xfrm>
+          <a:prstGeom prst="rect">
+            <a:avLst/>
+          </a:prstGeom>
+          <a:noFill/>
+        </p:spPr>
+        <p:txBody>
+          <a:bodyPr wrap="none" rtlCol="0">
+            <a:spAutoFit/>
+          </a:bodyPr>
+          <a:lstStyle/>
+          <a:p>
+            <a:r>
+              <a:rPr lang="ja-JP" altLang="en-US" sz="1600" dirty="0"/>
+              <a:t>自然状態</a:t>
+            </a:r>
+            <a:endParaRPr kumimoji="1" lang="ja-JP" altLang="en-US" sz="1600" dirty="0"/>
+          </a:p>
+        </p:txBody>
+      </p:sp>
+      <p:cxnSp>
+        <p:nvCxnSpPr>
+          <p:cNvPr id="14" name="直線矢印コネクタ 13">
+            <a:extLst>
+              <a:ext uri="{FF2B5EF4-FFF2-40B4-BE49-F238E27FC236}">
+                <a16:creationId xmlns:a16="http://schemas.microsoft.com/office/drawing/2014/main" id="{020D0D75-8543-86F6-F63F-EC880CA0D9DF}"/>
+              </a:ext>
+            </a:extLst>
+          </p:cNvPr>
+          <p:cNvCxnSpPr>
+            <a:cxnSpLocks/>
+          </p:cNvCxnSpPr>
+          <p:nvPr/>
+        </p:nvCxnSpPr>
+        <p:spPr>
+          <a:xfrm>
+            <a:off x="4226686" y="1025772"/>
+            <a:ext cx="0" cy="1442285"/>
+          </a:xfrm>
+          <a:prstGeom prst="straightConnector1">
+            <a:avLst/>
+          </a:prstGeom>
+          <a:ln>
+            <a:tailEnd type="triangle"/>
+          </a:ln>
+        </p:spPr>
+        <p:style>
+          <a:lnRef idx="2">
+            <a:schemeClr val="accent1"/>
+          </a:lnRef>
+          <a:fillRef idx="0">
+            <a:schemeClr val="accent1"/>
+          </a:fillRef>
+          <a:effectRef idx="1">
+            <a:schemeClr val="accent1"/>
+          </a:effectRef>
+          <a:fontRef idx="minor">
+            <a:schemeClr val="tx1"/>
+          </a:fontRef>
+        </p:style>
+      </p:cxnSp>
+      <p:cxnSp>
+        <p:nvCxnSpPr>
+          <p:cNvPr id="22" name="直線コネクタ 21">
+            <a:extLst>
+              <a:ext uri="{FF2B5EF4-FFF2-40B4-BE49-F238E27FC236}">
+                <a16:creationId xmlns:a16="http://schemas.microsoft.com/office/drawing/2014/main" id="{F6880960-DB75-9DB1-EB03-BAE2962DB3E9}"/>
+              </a:ext>
+            </a:extLst>
+          </p:cNvPr>
+          <p:cNvCxnSpPr>
+            <a:cxnSpLocks/>
+          </p:cNvCxnSpPr>
+          <p:nvPr/>
+        </p:nvCxnSpPr>
+        <p:spPr>
+          <a:xfrm>
+            <a:off x="4114370" y="2485765"/>
+            <a:ext cx="796471" cy="0"/>
+          </a:xfrm>
+          <a:prstGeom prst="line">
+            <a:avLst/>
+          </a:prstGeom>
+          <a:ln>
+            <a:prstDash val="dash"/>
+          </a:ln>
+        </p:spPr>
+        <p:style>
+          <a:lnRef idx="2">
+            <a:schemeClr val="accent1"/>
+          </a:lnRef>
+          <a:fillRef idx="0">
+            <a:schemeClr val="accent1"/>
+          </a:fillRef>
+          <a:effectRef idx="1">
+            <a:schemeClr val="accent1"/>
+          </a:effectRef>
+          <a:fontRef idx="minor">
+            <a:schemeClr val="tx1"/>
+          </a:fontRef>
+        </p:style>
+      </p:cxnSp>
+      <p:sp>
+        <p:nvSpPr>
+          <p:cNvPr id="24" name="テキスト ボックス 23">
+            <a:extLst>
+              <a:ext uri="{FF2B5EF4-FFF2-40B4-BE49-F238E27FC236}">
+                <a16:creationId xmlns:a16="http://schemas.microsoft.com/office/drawing/2014/main" id="{9B717939-B361-C9D1-60F1-0CCFF9E653B3}"/>
+              </a:ext>
+            </a:extLst>
+          </p:cNvPr>
+          <p:cNvSpPr txBox="1"/>
+          <p:nvPr/>
+        </p:nvSpPr>
+        <p:spPr>
+          <a:xfrm>
+            <a:off x="3122332" y="1262894"/>
+            <a:ext cx="1036995" cy="600164"/>
+          </a:xfrm>
+          <a:prstGeom prst="rect">
+            <a:avLst/>
+          </a:prstGeom>
+          <a:noFill/>
+        </p:spPr>
+        <p:txBody>
+          <a:bodyPr wrap="square" rtlCol="0">
+            <a:spAutoFit/>
+          </a:bodyPr>
+          <a:lstStyle/>
+          <a:p>
+            <a:r>
+              <a:rPr lang="ja-JP" altLang="en-US" sz="1100" b="0" i="0" dirty="0">
+                <a:effectLst/>
+                <a:latin typeface="Roboto" panose="02000000000000000000" pitchFamily="2" charset="0"/>
+              </a:rPr>
+              <a:t>すでに起きている生物多様性の損失</a:t>
+            </a:r>
+            <a:endParaRPr kumimoji="1" lang="ja-JP" altLang="en-US" sz="1100" dirty="0"/>
+          </a:p>
+        </p:txBody>
+      </p:sp>
+      <p:sp>
+        <p:nvSpPr>
+          <p:cNvPr id="26" name="楕円 25">
+            <a:extLst>
+              <a:ext uri="{FF2B5EF4-FFF2-40B4-BE49-F238E27FC236}">
+                <a16:creationId xmlns:a16="http://schemas.microsoft.com/office/drawing/2014/main" id="{CC58EF7C-A04D-980F-4DCA-B4828CD61A43}"/>
+              </a:ext>
+            </a:extLst>
+          </p:cNvPr>
+          <p:cNvSpPr/>
+          <p:nvPr/>
+        </p:nvSpPr>
+        <p:spPr>
+          <a:xfrm>
+            <a:off x="4631441" y="2409569"/>
+            <a:ext cx="139701" cy="139696"/>
+          </a:xfrm>
+          <a:prstGeom prst="ellipse">
+            <a:avLst/>
+          </a:prstGeom>
           <a:solidFill>
-            <a:srgbClr val="00B0F0"/>
+            <a:schemeClr val="bg1">
+              <a:lumMod val="50000"/>
+            </a:schemeClr>
           </a:solidFill>
           <a:ln>
             <a:noFill/>
@@ -4726,151 +5086,7 @@
           <a:lstStyle/>
           <a:p>
             <a:pPr algn="ctr"/>
-            <a:r>
-              <a:rPr kumimoji="1" lang="en-US" altLang="ja-JP" sz="1600" dirty="0"/>
-              <a:t>IV</a:t>
-            </a:r>
-            <a:endParaRPr kumimoji="1" lang="ja-JP" altLang="en-US" sz="1600" dirty="0"/>
-          </a:p>
-        </p:txBody>
-      </p:sp>
-      <p:sp>
-        <p:nvSpPr>
-          <p:cNvPr id="77" name="テキスト ボックス 76">
-            <a:extLst>
-              <a:ext uri="{FF2B5EF4-FFF2-40B4-BE49-F238E27FC236}">
-                <a16:creationId xmlns:a16="http://schemas.microsoft.com/office/drawing/2014/main" id="{321B4CCA-9BA9-AF4B-88E4-986638A3BF10}"/>
-              </a:ext>
-            </a:extLst>
-          </p:cNvPr>
-          <p:cNvSpPr txBox="1"/>
-          <p:nvPr/>
-        </p:nvSpPr>
-        <p:spPr>
-          <a:xfrm>
-            <a:off x="7503468" y="1240418"/>
-            <a:ext cx="4229100" cy="738664"/>
-          </a:xfrm>
-          <a:prstGeom prst="rect">
-            <a:avLst/>
-          </a:prstGeom>
-          <a:noFill/>
-        </p:spPr>
-        <p:txBody>
-          <a:bodyPr wrap="square">
-            <a:spAutoFit/>
-          </a:bodyPr>
-          <a:lstStyle/>
-          <a:p>
-            <a:r>
-              <a:rPr lang="ja-JP" altLang="en-US" sz="1400" dirty="0"/>
-              <a:t>重要度と完全性がともに高く、 優先的に保護すべき地域。事業活動の悪影響が生物多様性に重大なリスクをもたらす可能性がある。</a:t>
-            </a:r>
-          </a:p>
-        </p:txBody>
-      </p:sp>
-      <p:sp>
-        <p:nvSpPr>
-          <p:cNvPr id="80" name="テキスト ボックス 79">
-            <a:extLst>
-              <a:ext uri="{FF2B5EF4-FFF2-40B4-BE49-F238E27FC236}">
-                <a16:creationId xmlns:a16="http://schemas.microsoft.com/office/drawing/2014/main" id="{C81631C9-C6BC-FC84-3364-A4E59C56FD35}"/>
-              </a:ext>
-            </a:extLst>
-          </p:cNvPr>
-          <p:cNvSpPr txBox="1"/>
-          <p:nvPr/>
-        </p:nvSpPr>
-        <p:spPr>
-          <a:xfrm>
-            <a:off x="7503468" y="2202537"/>
-            <a:ext cx="4229100" cy="738664"/>
-          </a:xfrm>
-          <a:prstGeom prst="rect">
-            <a:avLst/>
-          </a:prstGeom>
-          <a:noFill/>
-        </p:spPr>
-        <p:txBody>
-          <a:bodyPr wrap="square">
-            <a:spAutoFit/>
-          </a:bodyPr>
-          <a:lstStyle/>
-          <a:p>
-            <a:r>
-              <a:rPr lang="ja-JP" altLang="en-US" sz="1400" dirty="0"/>
-              <a:t>生物多様性の重要性は高いが、完全性は低い。 潜在的な保全の重要性は高いが、すでに自然が劣化している。 自然保護活動の高い効果が期待される。</a:t>
-            </a:r>
-          </a:p>
-        </p:txBody>
-      </p:sp>
-      <p:sp>
-        <p:nvSpPr>
-          <p:cNvPr id="81" name="テキスト ボックス 80">
-            <a:extLst>
-              <a:ext uri="{FF2B5EF4-FFF2-40B4-BE49-F238E27FC236}">
-                <a16:creationId xmlns:a16="http://schemas.microsoft.com/office/drawing/2014/main" id="{0016008F-91AE-1223-6AA3-145411F0EF06}"/>
-              </a:ext>
-            </a:extLst>
-          </p:cNvPr>
-          <p:cNvSpPr txBox="1"/>
-          <p:nvPr/>
-        </p:nvSpPr>
-        <p:spPr>
-          <a:xfrm>
-            <a:off x="7503468" y="3164656"/>
-            <a:ext cx="4229100" cy="954107"/>
-          </a:xfrm>
-          <a:prstGeom prst="rect">
-            <a:avLst/>
-          </a:prstGeom>
-          <a:noFill/>
-        </p:spPr>
-        <p:txBody>
-          <a:bodyPr wrap="square">
-            <a:spAutoFit/>
-          </a:bodyPr>
-          <a:lstStyle/>
-          <a:p>
-            <a:r>
-              <a:rPr lang="ja-JP" altLang="en-US" sz="1400" dirty="0"/>
-              <a:t>重要度も完全性も低い。保全の有効性は高くないが、修復活動によって自然地域を改善できる可能性は大きい。 修復活動を通じて自然地域を改善する大きな可能性がある。</a:t>
-            </a:r>
-          </a:p>
-        </p:txBody>
-      </p:sp>
-      <p:sp>
-        <p:nvSpPr>
-          <p:cNvPr id="82" name="テキスト ボックス 81">
-            <a:extLst>
-              <a:ext uri="{FF2B5EF4-FFF2-40B4-BE49-F238E27FC236}">
-                <a16:creationId xmlns:a16="http://schemas.microsoft.com/office/drawing/2014/main" id="{270244C6-B172-7185-CC91-BDA0541753A3}"/>
-              </a:ext>
-            </a:extLst>
-          </p:cNvPr>
-          <p:cNvSpPr txBox="1"/>
-          <p:nvPr/>
-        </p:nvSpPr>
-        <p:spPr>
-          <a:xfrm>
-            <a:off x="7503468" y="4132179"/>
-            <a:ext cx="4229100" cy="1384995"/>
-          </a:xfrm>
-          <a:prstGeom prst="rect">
-            <a:avLst/>
-          </a:prstGeom>
-          <a:noFill/>
-        </p:spPr>
-        <p:txBody>
-          <a:bodyPr wrap="square">
-            <a:spAutoFit/>
-          </a:bodyPr>
-          <a:lstStyle/>
-          <a:p>
-            <a:r>
-              <a:rPr lang="ja-JP" altLang="en-US" sz="1400" dirty="0"/>
-              <a:t>生物多様性の重要性が低く、手付かずの状態、すなわち人間による圧力が低い。 他の人間活動との衝突が少ないため、自然商品や生態系サービス（再生可能エネルギー植物など）の利用に適している。 自然商品や生態系サービス（再生可能エネルギープラントなど）の利用に適している。</a:t>
-            </a:r>
+            <a:endParaRPr kumimoji="1" lang="ja-JP" altLang="en-US"/>
           </a:p>
         </p:txBody>
       </p:sp>
